--- a/file/temp/R.SIGE_Intro.pptx
+++ b/file/temp/R.SIGE_Intro.pptx
@@ -6518,8 +6518,8 @@
         </p:nvSpPr>
         <p:spPr>
           <a:xfrm>
-            <a:off x="1604163" y="5408136"/>
-            <a:ext cx="3876412" cy="1085851"/>
+            <a:off x="158387" y="5867761"/>
+            <a:ext cx="3876412" cy="886245"/>
           </a:xfrm>
           <a:prstGeom prst="round1Rect">
             <a:avLst/>
@@ -6595,71 +6595,6 @@
               </a:rPr>
               <a:t>william.aguilar@escuelaing.edu.co</a:t>
             </a:r>
-          </a:p>
-        </p:txBody>
-      </p:sp>
-      <p:sp>
-        <p:nvSpPr>
-          <p:cNvPr id="5" name="Oval 4">
-            <a:extLst>
-              <a:ext uri="{FF2B5EF4-FFF2-40B4-BE49-F238E27FC236}">
-                <a16:creationId xmlns:a16="http://schemas.microsoft.com/office/drawing/2014/main" id="{76F80E07-382E-6664-4BD5-3B72BA9DEEBA}"/>
-              </a:ext>
-            </a:extLst>
-          </p:cNvPr>
-          <p:cNvSpPr>
-            <a:spLocks noChangeArrowheads="1"/>
-          </p:cNvSpPr>
-          <p:nvPr/>
-        </p:nvSpPr>
-        <p:spPr bwMode="auto">
-          <a:xfrm>
-            <a:off x="344323" y="5192828"/>
-            <a:ext cx="1259840" cy="1259840"/>
-          </a:xfrm>
-          <a:prstGeom prst="ellipse">
-            <a:avLst/>
-          </a:prstGeom>
-          <a:blipFill dpi="0" rotWithShape="1">
-            <a:blip r:embed="rId5"/>
-            <a:srcRect/>
-            <a:stretch>
-              <a:fillRect/>
-            </a:stretch>
-          </a:blipFill>
-          <a:ln>
-            <a:noFill/>
-          </a:ln>
-          <a:effectLst/>
-          <a:extLst>
-            <a:ext uri="{91240B29-F687-4F45-9708-019B960494DF}">
-              <a14:hiddenLine xmlns:a14="http://schemas.microsoft.com/office/drawing/2010/main" w="9525" algn="ctr">
-                <a:solidFill>
-                  <a:srgbClr val="000000"/>
-                </a:solidFill>
-                <a:round/>
-                <a:headEnd/>
-                <a:tailEnd/>
-              </a14:hiddenLine>
-            </a:ext>
-            <a:ext uri="{AF507438-7753-43E0-B8FC-AC1667EBCBE1}">
-              <a14:hiddenEffects xmlns:a14="http://schemas.microsoft.com/office/drawing/2010/main">
-                <a:effectLst>
-                  <a:outerShdw dist="35921" dir="2700000" algn="ctr" rotWithShape="0">
-                    <a:srgbClr val="868686"/>
-                  </a:outerShdw>
-                </a:effectLst>
-              </a14:hiddenEffects>
-            </a:ext>
-          </a:extLst>
-        </p:spPr>
-        <p:txBody>
-          <a:bodyPr rot="0" vert="horz" wrap="square" lIns="91440" tIns="45720" rIns="91440" bIns="45720" anchor="t" anchorCtr="0" upright="1">
-            <a:noAutofit/>
-          </a:bodyPr>
-          <a:lstStyle/>
-          <a:p>
-            <a:endParaRPr lang="es-CO"/>
           </a:p>
         </p:txBody>
       </p:sp>
@@ -7929,6 +7864,15 @@
 </file>
 
 <file path=customXml/item2.xml><?xml version="1.0" encoding="utf-8"?>
+<?mso-contentType ?>
+<FormTemplates xmlns="http://schemas.microsoft.com/sharepoint/v3/contenttype/forms">
+  <Display>DocumentLibraryForm</Display>
+  <Edit>DocumentLibraryForm</Edit>
+  <New>DocumentLibraryForm</New>
+</FormTemplates>
+</file>
+
+<file path=customXml/item3.xml><?xml version="1.0" encoding="utf-8"?>
 <ct:contentTypeSchema xmlns:ct="http://schemas.microsoft.com/office/2006/metadata/contentType" xmlns:ma="http://schemas.microsoft.com/office/2006/metadata/properties/metaAttributes" ct:_="" ma:_="" ma:contentTypeName="Document" ma:contentTypeID="0x010100C089011499791B4EB69D0A56FFA67F2B" ma:contentTypeVersion="30" ma:contentTypeDescription="Create a new document." ma:contentTypeScope="" ma:versionID="f76dc847e91b26043a9f85409c9c8da8">
   <xsd:schema xmlns:xsd="http://www.w3.org/2001/XMLSchema" xmlns:xs="http://www.w3.org/2001/XMLSchema" xmlns:p="http://schemas.microsoft.com/office/2006/metadata/properties" xmlns:ns3="bf3e1746-bde1-4d6e-9c3f-7182572f7502" xmlns:ns4="14224164-2045-4b51-92bb-313d0f626d83" targetNamespace="http://schemas.microsoft.com/office/2006/metadata/properties" ma:root="true" ma:fieldsID="e77e75136ac7a83ebab10a30c2d6fe6c" ns3:_="" ns4:_="">
     <xsd:import namespace="bf3e1746-bde1-4d6e-9c3f-7182572f7502"/>
@@ -8319,15 +8263,6 @@
 </ct:contentTypeSchema>
 </file>
 
-<file path=customXml/item3.xml><?xml version="1.0" encoding="utf-8"?>
-<?mso-contentType ?>
-<FormTemplates xmlns="http://schemas.microsoft.com/sharepoint/v3/contenttype/forms">
-  <Display>DocumentLibraryForm</Display>
-  <Edit>DocumentLibraryForm</Edit>
-  <New>DocumentLibraryForm</New>
-</FormTemplates>
-</file>
-
 <file path=customXml/itemProps1.xml><?xml version="1.0" encoding="utf-8"?>
 <ds:datastoreItem xmlns:ds="http://schemas.openxmlformats.org/officeDocument/2006/customXml" ds:itemID="{DEDD01B8-816B-49B7-8C81-03AB51D87C54}">
   <ds:schemaRefs>
@@ -8346,6 +8281,14 @@
 </file>
 
 <file path=customXml/itemProps2.xml><?xml version="1.0" encoding="utf-8"?>
+<ds:datastoreItem xmlns:ds="http://schemas.openxmlformats.org/officeDocument/2006/customXml" ds:itemID="{B024FD56-CE1B-42FC-9E83-BFBF160724C6}">
+  <ds:schemaRefs>
+    <ds:schemaRef ds:uri="http://schemas.microsoft.com/sharepoint/v3/contenttype/forms"/>
+  </ds:schemaRefs>
+</ds:datastoreItem>
+</file>
+
+<file path=customXml/itemProps3.xml><?xml version="1.0" encoding="utf-8"?>
 <ds:datastoreItem xmlns:ds="http://schemas.openxmlformats.org/officeDocument/2006/customXml" ds:itemID="{A129B439-51BE-4A7D-9272-FBD057297E66}">
   <ds:schemaRefs>
     <ds:schemaRef ds:uri="http://schemas.microsoft.com/office/2006/metadata/contentType"/>
@@ -8362,12 +8305,4 @@
     <ds:schemaRef ds:uri="http://schemas.microsoft.com/internal/obd"/>
   </ds:schemaRefs>
 </ds:datastoreItem>
-</file>
-
-<file path=customXml/itemProps3.xml><?xml version="1.0" encoding="utf-8"?>
-<ds:datastoreItem xmlns:ds="http://schemas.openxmlformats.org/officeDocument/2006/customXml" ds:itemID="{B024FD56-CE1B-42FC-9E83-BFBF160724C6}">
-  <ds:schemaRefs>
-    <ds:schemaRef ds:uri="http://schemas.microsoft.com/sharepoint/v3/contenttype/forms"/>
-  </ds:schemaRefs>
-</ds:datastoreItem>
 </file>